--- a/Angular/REDUX POWERPOINT.pptx
+++ b/Angular/REDUX POWERPOINT.pptx
@@ -109,6 +109,11 @@
       </a:defRPr>
     </a:lvl9pPr>
   </p:defaultTextStyle>
+  <p:extLst>
+    <p:ext uri="{EFAFB233-063F-42B5-8137-9DF3F51BA10A}">
+      <p15:sldGuideLst xmlns:p15="http://schemas.microsoft.com/office/powerpoint/2012/main"/>
+    </p:ext>
+  </p:extLst>
 </p:presentation>
 </file>
 
@@ -288,7 +293,7 @@
           <a:p>
             <a:fld id="{F059CFDE-1FD8-4620-9652-5973FEA4A7EB}" type="datetimeFigureOut">
               <a:rPr lang="da-DK" smtClean="0"/>
-              <a:t>22-06-2019</a:t>
+              <a:t>23-06-2019</a:t>
             </a:fld>
             <a:endParaRPr lang="da-DK"/>
           </a:p>
@@ -458,7 +463,7 @@
           <a:p>
             <a:fld id="{F059CFDE-1FD8-4620-9652-5973FEA4A7EB}" type="datetimeFigureOut">
               <a:rPr lang="da-DK" smtClean="0"/>
-              <a:t>22-06-2019</a:t>
+              <a:t>23-06-2019</a:t>
             </a:fld>
             <a:endParaRPr lang="da-DK"/>
           </a:p>
@@ -681,7 +686,7 @@
           <a:p>
             <a:fld id="{F059CFDE-1FD8-4620-9652-5973FEA4A7EB}" type="datetimeFigureOut">
               <a:rPr lang="da-DK" smtClean="0"/>
-              <a:t>22-06-2019</a:t>
+              <a:t>23-06-2019</a:t>
             </a:fld>
             <a:endParaRPr lang="da-DK"/>
           </a:p>
@@ -861,7 +866,7 @@
           <a:p>
             <a:fld id="{F059CFDE-1FD8-4620-9652-5973FEA4A7EB}" type="datetimeFigureOut">
               <a:rPr lang="da-DK" smtClean="0"/>
-              <a:t>22-06-2019</a:t>
+              <a:t>23-06-2019</a:t>
             </a:fld>
             <a:endParaRPr lang="da-DK"/>
           </a:p>
@@ -1167,7 +1172,7 @@
           <a:p>
             <a:fld id="{F059CFDE-1FD8-4620-9652-5973FEA4A7EB}" type="datetimeFigureOut">
               <a:rPr lang="da-DK" smtClean="0"/>
-              <a:t>22-06-2019</a:t>
+              <a:t>23-06-2019</a:t>
             </a:fld>
             <a:endParaRPr lang="da-DK"/>
           </a:p>
@@ -1471,7 +1476,7 @@
           <a:p>
             <a:fld id="{F059CFDE-1FD8-4620-9652-5973FEA4A7EB}" type="datetimeFigureOut">
               <a:rPr lang="da-DK" smtClean="0"/>
-              <a:t>22-06-2019</a:t>
+              <a:t>23-06-2019</a:t>
             </a:fld>
             <a:endParaRPr lang="da-DK"/>
           </a:p>
@@ -1893,7 +1898,7 @@
           <a:p>
             <a:fld id="{F059CFDE-1FD8-4620-9652-5973FEA4A7EB}" type="datetimeFigureOut">
               <a:rPr lang="da-DK" smtClean="0"/>
-              <a:t>22-06-2019</a:t>
+              <a:t>23-06-2019</a:t>
             </a:fld>
             <a:endParaRPr lang="da-DK"/>
           </a:p>
@@ -2011,7 +2016,7 @@
           <a:p>
             <a:fld id="{F059CFDE-1FD8-4620-9652-5973FEA4A7EB}" type="datetimeFigureOut">
               <a:rPr lang="da-DK" smtClean="0"/>
-              <a:t>22-06-2019</a:t>
+              <a:t>23-06-2019</a:t>
             </a:fld>
             <a:endParaRPr lang="da-DK"/>
           </a:p>
@@ -2106,7 +2111,7 @@
           <a:p>
             <a:fld id="{F059CFDE-1FD8-4620-9652-5973FEA4A7EB}" type="datetimeFigureOut">
               <a:rPr lang="da-DK" smtClean="0"/>
-              <a:t>22-06-2019</a:t>
+              <a:t>23-06-2019</a:t>
             </a:fld>
             <a:endParaRPr lang="da-DK"/>
           </a:p>
@@ -2379,7 +2384,7 @@
           <a:p>
             <a:fld id="{F059CFDE-1FD8-4620-9652-5973FEA4A7EB}" type="datetimeFigureOut">
               <a:rPr lang="da-DK" smtClean="0"/>
-              <a:t>22-06-2019</a:t>
+              <a:t>23-06-2019</a:t>
             </a:fld>
             <a:endParaRPr lang="da-DK"/>
           </a:p>
@@ -2644,7 +2649,7 @@
           <a:p>
             <a:fld id="{F059CFDE-1FD8-4620-9652-5973FEA4A7EB}" type="datetimeFigureOut">
               <a:rPr lang="da-DK" smtClean="0"/>
-              <a:t>22-06-2019</a:t>
+              <a:t>23-06-2019</a:t>
             </a:fld>
             <a:endParaRPr lang="da-DK"/>
           </a:p>
@@ -2893,7 +2898,7 @@
           <a:p>
             <a:fld id="{F059CFDE-1FD8-4620-9652-5973FEA4A7EB}" type="datetimeFigureOut">
               <a:rPr lang="da-DK" smtClean="0"/>
-              <a:t>22-06-2019</a:t>
+              <a:t>23-06-2019</a:t>
             </a:fld>
             <a:endParaRPr lang="da-DK"/>
           </a:p>
@@ -3926,8 +3931,17 @@
             </a:pPr>
             <a:r>
               <a:rPr lang="da-DK" dirty="0"/>
-              <a:t>Et objekt bliver gemt med  det pågældende objekts (user) værdier.</a:t>
-            </a:r>
+              <a:t>Et objekt bliver gemt med  det pågældende objekts (user) værdier. (Findes i </a:t>
+            </a:r>
+            <a:r>
+              <a:rPr lang="da-DK" dirty="0" err="1"/>
+              <a:t>entities</a:t>
+            </a:r>
+            <a:r>
+              <a:rPr lang="da-DK"/>
+              <a:t>)</a:t>
+            </a:r>
+            <a:endParaRPr lang="da-DK" dirty="0"/>
           </a:p>
           <a:p>
             <a:pPr marL="285750" indent="-285750">
